--- a/course_resources/slides/Used/003_loops.pptx
+++ b/course_resources/slides/Used/003_loops.pptx
@@ -5,8 +5,8 @@
     <p:sldMasterId id="2147483660" r:id="rId1"/>
   </p:sldMasterIdLst>
   <p:sldIdLst>
-    <p:sldId id="256" r:id="rId2"/>
-    <p:sldId id="267" r:id="rId3"/>
+    <p:sldId id="267" r:id="rId2"/>
+    <p:sldId id="256" r:id="rId3"/>
     <p:sldId id="257" r:id="rId4"/>
     <p:sldId id="258" r:id="rId5"/>
     <p:sldId id="259" r:id="rId6"/>
@@ -3641,7 +3641,7 @@
           <p:cNvPr id="2" name="Title 1">
             <a:extLst>
               <a:ext uri="{FF2B5EF4-FFF2-40B4-BE49-F238E27FC236}">
-                <a16:creationId xmlns:a16="http://schemas.microsoft.com/office/drawing/2014/main" id="{594293C5-EB37-76AC-349B-C2AEFC9395F7}"/>
+                <a16:creationId xmlns:a16="http://schemas.microsoft.com/office/drawing/2014/main" id="{AC5BCD5E-7D6D-6D42-1FE8-BE5C8EB349ED}"/>
               </a:ext>
             </a:extLst>
           </p:cNvPr>
@@ -3649,7 +3649,7 @@
             <a:spLocks noGrp="1"/>
           </p:cNvSpPr>
           <p:nvPr>
-            <p:ph type="ctrTitle"/>
+            <p:ph type="title"/>
           </p:nvPr>
         </p:nvSpPr>
         <p:spPr/>
@@ -3659,17 +3659,17 @@
           <a:p>
             <a:r>
               <a:rPr lang="en-US" dirty="0"/>
-              <a:t>Loops</a:t>
-            </a:r>
-          </a:p>
-        </p:txBody>
-      </p:sp>
-      <p:sp>
-        <p:nvSpPr>
-          <p:cNvPr id="3" name="Subtitle 2">
+              <a:t>Housekeeping</a:t>
+            </a:r>
+          </a:p>
+        </p:txBody>
+      </p:sp>
+      <p:sp>
+        <p:nvSpPr>
+          <p:cNvPr id="3" name="Content Placeholder 2">
             <a:extLst>
               <a:ext uri="{FF2B5EF4-FFF2-40B4-BE49-F238E27FC236}">
-                <a16:creationId xmlns:a16="http://schemas.microsoft.com/office/drawing/2014/main" id="{8B4E2CA7-E9F7-C943-AFA1-B399644A236B}"/>
+                <a16:creationId xmlns:a16="http://schemas.microsoft.com/office/drawing/2014/main" id="{5E89CCBA-ABEB-CACE-B404-046F8AC2C86C}"/>
               </a:ext>
             </a:extLst>
           </p:cNvPr>
@@ -3677,17 +3677,108 @@
             <a:spLocks noGrp="1"/>
           </p:cNvSpPr>
           <p:nvPr>
-            <p:ph type="subTitle" idx="1"/>
-          </p:nvPr>
-        </p:nvSpPr>
-        <p:spPr/>
-        <p:txBody>
-          <a:bodyPr/>
-          <a:lstStyle/>
-          <a:p>
-            <a:r>
-              <a:rPr lang="en-US" dirty="0"/>
-              <a:t>They go Around</a:t>
+            <p:ph idx="1"/>
+          </p:nvPr>
+        </p:nvSpPr>
+        <p:spPr>
+          <a:xfrm>
+            <a:off x="1451579" y="1853754"/>
+            <a:ext cx="9603275" cy="4278689"/>
+          </a:xfrm>
+        </p:spPr>
+        <p:txBody>
+          <a:bodyPr>
+            <a:normAutofit fontScale="92500" lnSpcReduction="10000"/>
+          </a:bodyPr>
+          <a:lstStyle/>
+          <a:p>
+            <a:r>
+              <a:rPr lang="en-US" dirty="0"/>
+              <a:t>Questions?</a:t>
+            </a:r>
+          </a:p>
+          <a:p>
+            <a:r>
+              <a:rPr lang="en-US" dirty="0"/>
+              <a:t>Today:</a:t>
+            </a:r>
+          </a:p>
+          <a:p>
+            <a:pPr lvl="1"/>
+            <a:r>
+              <a:rPr lang="en-US" dirty="0"/>
+              <a:t>Slides and using </a:t>
+            </a:r>
+            <a:r>
+              <a:rPr lang="en-US" dirty="0" err="1"/>
+              <a:t>github</a:t>
+            </a:r>
+            <a:r>
+              <a:rPr lang="en-US" dirty="0"/>
+              <a:t> repositories. </a:t>
+            </a:r>
+          </a:p>
+          <a:p>
+            <a:pPr lvl="1"/>
+            <a:r>
+              <a:rPr lang="en-US" dirty="0"/>
+              <a:t>Review – walkthrough grade example. </a:t>
+            </a:r>
+          </a:p>
+          <a:p>
+            <a:pPr lvl="1"/>
+            <a:r>
+              <a:rPr lang="en-US" dirty="0"/>
+              <a:t>Loops (P4E chapter 5)</a:t>
+            </a:r>
+          </a:p>
+          <a:p>
+            <a:r>
+              <a:rPr lang="en-US" dirty="0"/>
+              <a:t>Lab 1:</a:t>
+            </a:r>
+          </a:p>
+          <a:p>
+            <a:pPr lvl="1"/>
+            <a:r>
+              <a:rPr lang="en-US" dirty="0"/>
+              <a:t>It is very simple. </a:t>
+            </a:r>
+          </a:p>
+          <a:p>
+            <a:pPr lvl="1"/>
+            <a:r>
+              <a:rPr lang="en-US" dirty="0"/>
+              <a:t>Workshop in Moodle – peer evaluation. </a:t>
+            </a:r>
+          </a:p>
+          <a:p>
+            <a:pPr lvl="1"/>
+            <a:r>
+              <a:rPr lang="en-US" dirty="0"/>
+              <a:t>Functions – we’ll do it in detail next class. The examples from last time are transferable. </a:t>
+            </a:r>
+          </a:p>
+          <a:p>
+            <a:pPr lvl="1"/>
+            <a:r>
+              <a:rPr lang="en-US" dirty="0"/>
+              <a:t>Reading files – link on Moodle, try reading and adapting. We’ll do more next time. (P4E ch7)</a:t>
+            </a:r>
+          </a:p>
+          <a:p>
+            <a:pPr lvl="2"/>
+            <a:r>
+              <a:rPr lang="en-US" dirty="0"/>
+              <a:t>.</a:t>
+            </a:r>
+            <a:r>
+              <a:rPr lang="en-US" dirty="0" err="1"/>
+              <a:t>readlines</a:t>
+            </a:r>
+            <a:r>
+              <a:rPr lang="en-US" dirty="0"/>
+              <a:t>() is a way to do it easily. </a:t>
             </a:r>
           </a:p>
         </p:txBody>
@@ -3695,7 +3786,7 @@
     </p:spTree>
     <p:extLst>
       <p:ext uri="{BB962C8B-B14F-4D97-AF65-F5344CB8AC3E}">
-        <p14:creationId xmlns:p14="http://schemas.microsoft.com/office/powerpoint/2010/main" val="1010016140"/>
+        <p14:creationId xmlns:p14="http://schemas.microsoft.com/office/powerpoint/2010/main" val="1846090826"/>
       </p:ext>
     </p:extLst>
   </p:cSld>
@@ -4222,7 +4313,7 @@
           <p:cNvPr id="2" name="Title 1">
             <a:extLst>
               <a:ext uri="{FF2B5EF4-FFF2-40B4-BE49-F238E27FC236}">
-                <a16:creationId xmlns:a16="http://schemas.microsoft.com/office/drawing/2014/main" id="{AC5BCD5E-7D6D-6D42-1FE8-BE5C8EB349ED}"/>
+                <a16:creationId xmlns:a16="http://schemas.microsoft.com/office/drawing/2014/main" id="{594293C5-EB37-76AC-349B-C2AEFC9395F7}"/>
               </a:ext>
             </a:extLst>
           </p:cNvPr>
@@ -4230,7 +4321,7 @@
             <a:spLocks noGrp="1"/>
           </p:cNvSpPr>
           <p:nvPr>
-            <p:ph type="title"/>
+            <p:ph type="ctrTitle"/>
           </p:nvPr>
         </p:nvSpPr>
         <p:spPr/>
@@ -4240,17 +4331,17 @@
           <a:p>
             <a:r>
               <a:rPr lang="en-US" dirty="0"/>
-              <a:t>Housekeeping</a:t>
-            </a:r>
-          </a:p>
-        </p:txBody>
-      </p:sp>
-      <p:sp>
-        <p:nvSpPr>
-          <p:cNvPr id="3" name="Content Placeholder 2">
+              <a:t>Loops</a:t>
+            </a:r>
+          </a:p>
+        </p:txBody>
+      </p:sp>
+      <p:sp>
+        <p:nvSpPr>
+          <p:cNvPr id="3" name="Subtitle 2">
             <a:extLst>
               <a:ext uri="{FF2B5EF4-FFF2-40B4-BE49-F238E27FC236}">
-                <a16:creationId xmlns:a16="http://schemas.microsoft.com/office/drawing/2014/main" id="{5E89CCBA-ABEB-CACE-B404-046F8AC2C86C}"/>
+                <a16:creationId xmlns:a16="http://schemas.microsoft.com/office/drawing/2014/main" id="{8B4E2CA7-E9F7-C943-AFA1-B399644A236B}"/>
               </a:ext>
             </a:extLst>
           </p:cNvPr>
@@ -4258,108 +4349,17 @@
             <a:spLocks noGrp="1"/>
           </p:cNvSpPr>
           <p:nvPr>
-            <p:ph idx="1"/>
-          </p:nvPr>
-        </p:nvSpPr>
-        <p:spPr>
-          <a:xfrm>
-            <a:off x="1451579" y="1853754"/>
-            <a:ext cx="9603275" cy="4278689"/>
-          </a:xfrm>
-        </p:spPr>
-        <p:txBody>
-          <a:bodyPr>
-            <a:normAutofit fontScale="92500" lnSpcReduction="10000"/>
-          </a:bodyPr>
-          <a:lstStyle/>
-          <a:p>
-            <a:r>
-              <a:rPr lang="en-US" dirty="0"/>
-              <a:t>Questions?</a:t>
-            </a:r>
-          </a:p>
-          <a:p>
-            <a:r>
-              <a:rPr lang="en-US" dirty="0"/>
-              <a:t>Today:</a:t>
-            </a:r>
-          </a:p>
-          <a:p>
-            <a:pPr lvl="1"/>
-            <a:r>
-              <a:rPr lang="en-US" dirty="0"/>
-              <a:t>Slides and using </a:t>
-            </a:r>
-            <a:r>
-              <a:rPr lang="en-US" dirty="0" err="1"/>
-              <a:t>github</a:t>
-            </a:r>
-            <a:r>
-              <a:rPr lang="en-US" dirty="0"/>
-              <a:t> repositories. </a:t>
-            </a:r>
-          </a:p>
-          <a:p>
-            <a:pPr lvl="1"/>
-            <a:r>
-              <a:rPr lang="en-US" dirty="0"/>
-              <a:t>Review – walkthrough grade example. </a:t>
-            </a:r>
-          </a:p>
-          <a:p>
-            <a:pPr lvl="1"/>
-            <a:r>
-              <a:rPr lang="en-US" dirty="0"/>
-              <a:t>Loops (P4E chapter 5)</a:t>
-            </a:r>
-          </a:p>
-          <a:p>
-            <a:r>
-              <a:rPr lang="en-US" dirty="0"/>
-              <a:t>Lab 1:</a:t>
-            </a:r>
-          </a:p>
-          <a:p>
-            <a:pPr lvl="1"/>
-            <a:r>
-              <a:rPr lang="en-US" dirty="0"/>
-              <a:t>It is very simple. </a:t>
-            </a:r>
-          </a:p>
-          <a:p>
-            <a:pPr lvl="1"/>
-            <a:r>
-              <a:rPr lang="en-US" dirty="0"/>
-              <a:t>Workshop in Moodle – peer evaluation. </a:t>
-            </a:r>
-          </a:p>
-          <a:p>
-            <a:pPr lvl="1"/>
-            <a:r>
-              <a:rPr lang="en-US" dirty="0"/>
-              <a:t>Functions – we’ll do it in detail next class. The examples from last time are transferable. </a:t>
-            </a:r>
-          </a:p>
-          <a:p>
-            <a:pPr lvl="1"/>
-            <a:r>
-              <a:rPr lang="en-US" dirty="0"/>
-              <a:t>Reading files – link on Moodle, try reading and adapting. We’ll do more next time. (P4E ch7)</a:t>
-            </a:r>
-          </a:p>
-          <a:p>
-            <a:pPr lvl="2"/>
-            <a:r>
-              <a:rPr lang="en-US" dirty="0"/>
-              <a:t>.</a:t>
-            </a:r>
-            <a:r>
-              <a:rPr lang="en-US" dirty="0" err="1"/>
-              <a:t>readlines</a:t>
-            </a:r>
-            <a:r>
-              <a:rPr lang="en-US" dirty="0"/>
-              <a:t>() is a way to do it easily. </a:t>
+            <p:ph type="subTitle" idx="1"/>
+          </p:nvPr>
+        </p:nvSpPr>
+        <p:spPr/>
+        <p:txBody>
+          <a:bodyPr/>
+          <a:lstStyle/>
+          <a:p>
+            <a:r>
+              <a:rPr lang="en-US" dirty="0"/>
+              <a:t>They go Around</a:t>
             </a:r>
           </a:p>
         </p:txBody>
@@ -4367,7 +4367,7 @@
     </p:spTree>
     <p:extLst>
       <p:ext uri="{BB962C8B-B14F-4D97-AF65-F5344CB8AC3E}">
-        <p14:creationId xmlns:p14="http://schemas.microsoft.com/office/powerpoint/2010/main" val="1846090826"/>
+        <p14:creationId xmlns:p14="http://schemas.microsoft.com/office/powerpoint/2010/main" val="1010016140"/>
       </p:ext>
     </p:extLst>
   </p:cSld>
